--- a/tutorial9/Graphql_With_Python_tutorial9_Slide.pptx
+++ b/tutorial9/Graphql_With_Python_tutorial9_Slide.pptx
@@ -5955,6 +5955,56 @@
           <a:lstStyle/>
           <a:p>
             <a:endParaRPr lang="en-US"/>
+          </a:p>
+        </p:txBody>
+      </p:sp>
+      <p:sp>
+        <p:nvSpPr>
+          <p:cNvPr id="4" name="Rectangle 3">
+            <a:extLst>
+              <a:ext uri="{FF2B5EF4-FFF2-40B4-BE49-F238E27FC236}">
+                <a16:creationId xmlns:a16="http://schemas.microsoft.com/office/drawing/2014/main" id="{1E64A8B9-7BB4-994F-9511-4DC36D3B0A4A}"/>
+              </a:ext>
+            </a:extLst>
+          </p:cNvPr>
+          <p:cNvSpPr/>
+          <p:nvPr/>
+        </p:nvSpPr>
+        <p:spPr>
+          <a:xfrm>
+            <a:off x="1500188" y="2945815"/>
+            <a:ext cx="7895272" cy="369332"/>
+          </a:xfrm>
+          <a:prstGeom prst="rect">
+            <a:avLst/>
+          </a:prstGeom>
+        </p:spPr>
+        <p:txBody>
+          <a:bodyPr wrap="square">
+            <a:spAutoFit/>
+          </a:bodyPr>
+          <a:lstStyle/>
+          <a:p>
+            <a:r>
+              <a:rPr lang="en-US" dirty="0"/>
+              <a:t>https://</a:t>
+            </a:r>
+            <a:r>
+              <a:rPr lang="en-US" dirty="0" err="1"/>
+              <a:t>github.com</a:t>
+            </a:r>
+            <a:r>
+              <a:rPr lang="en-US" dirty="0"/>
+              <a:t>/ronidas39/</a:t>
+            </a:r>
+            <a:r>
+              <a:rPr lang="en-US" dirty="0" err="1"/>
+              <a:t>Graphql_Python</a:t>
+            </a:r>
+            <a:r>
+              <a:rPr lang="en-US" dirty="0"/>
+              <a:t>/tree/main/tutorial9</a:t>
+            </a:r>
           </a:p>
         </p:txBody>
       </p:sp>
